--- a/FPA MSP Sourcing.pptx
+++ b/FPA MSP Sourcing.pptx
@@ -2408,7 +2408,7 @@
             <a:fld id="{97FDC7F0-B96A-4EAF-9981-2EBCFA2CF7D0}" type="datetimeFigureOut">
               <a:rPr lang="en-US" smtClean="0"/>
               <a:pPr/>
-              <a:t>3/26/2022</a:t>
+              <a:t>3/27/2022</a:t>
             </a:fld>
             <a:endParaRPr lang="en-US"/>
           </a:p>
@@ -4944,7 +4944,7 @@
             <a:fld id="{BE9A0647-1686-42C9-A5F6-35BC522C4BB7}" type="datetimeFigureOut">
               <a:rPr lang="en-US" smtClean="0"/>
               <a:pPr/>
-              <a:t>3/26/2022</a:t>
+              <a:t>3/27/2022</a:t>
             </a:fld>
             <a:endParaRPr lang="en-US" dirty="0"/>
           </a:p>
@@ -5203,7 +5203,7 @@
             <a:fld id="{F327E5AD-2FBF-487E-9A2A-1C858114335A}" type="datetime1">
               <a:rPr lang="en-US" smtClean="0"/>
               <a:pPr/>
-              <a:t>3/26/2022</a:t>
+              <a:t>3/27/2022</a:t>
             </a:fld>
             <a:endParaRPr lang="en-US" dirty="0"/>
           </a:p>
